--- a/week_3/3.4 The Course Workflow.pptx
+++ b/week_3/3.4 The Course Workflow.pptx
@@ -291,7 +291,7 @@
           <a:p>
             <a:fld id="{03C193EB-2383-2845-944A-5D674B010819}" type="datetimeFigureOut">
               <a:rPr lang="en-US" smtClean="0"/>
-              <a:t>8/24/15</a:t>
+              <a:t>9/28/15</a:t>
             </a:fld>
             <a:endParaRPr lang="en-US"/>
           </a:p>
@@ -461,7 +461,7 @@
           <a:p>
             <a:fld id="{03C193EB-2383-2845-944A-5D674B010819}" type="datetimeFigureOut">
               <a:rPr lang="en-US" smtClean="0"/>
-              <a:t>8/24/15</a:t>
+              <a:t>9/28/15</a:t>
             </a:fld>
             <a:endParaRPr lang="en-US"/>
           </a:p>
@@ -641,7 +641,7 @@
           <a:p>
             <a:fld id="{03C193EB-2383-2845-944A-5D674B010819}" type="datetimeFigureOut">
               <a:rPr lang="en-US" smtClean="0"/>
-              <a:t>8/24/15</a:t>
+              <a:t>9/28/15</a:t>
             </a:fld>
             <a:endParaRPr lang="en-US"/>
           </a:p>
@@ -811,7 +811,7 @@
           <a:p>
             <a:fld id="{03C193EB-2383-2845-944A-5D674B010819}" type="datetimeFigureOut">
               <a:rPr lang="en-US" smtClean="0"/>
-              <a:t>8/24/15</a:t>
+              <a:t>9/28/15</a:t>
             </a:fld>
             <a:endParaRPr lang="en-US"/>
           </a:p>
@@ -1057,7 +1057,7 @@
           <a:p>
             <a:fld id="{03C193EB-2383-2845-944A-5D674B010819}" type="datetimeFigureOut">
               <a:rPr lang="en-US" smtClean="0"/>
-              <a:t>8/24/15</a:t>
+              <a:t>9/28/15</a:t>
             </a:fld>
             <a:endParaRPr lang="en-US"/>
           </a:p>
@@ -1345,7 +1345,7 @@
           <a:p>
             <a:fld id="{03C193EB-2383-2845-944A-5D674B010819}" type="datetimeFigureOut">
               <a:rPr lang="en-US" smtClean="0"/>
-              <a:t>8/24/15</a:t>
+              <a:t>9/28/15</a:t>
             </a:fld>
             <a:endParaRPr lang="en-US"/>
           </a:p>
@@ -1767,7 +1767,7 @@
           <a:p>
             <a:fld id="{03C193EB-2383-2845-944A-5D674B010819}" type="datetimeFigureOut">
               <a:rPr lang="en-US" smtClean="0"/>
-              <a:t>8/24/15</a:t>
+              <a:t>9/28/15</a:t>
             </a:fld>
             <a:endParaRPr lang="en-US"/>
           </a:p>
@@ -1885,7 +1885,7 @@
           <a:p>
             <a:fld id="{03C193EB-2383-2845-944A-5D674B010819}" type="datetimeFigureOut">
               <a:rPr lang="en-US" smtClean="0"/>
-              <a:t>8/24/15</a:t>
+              <a:t>9/28/15</a:t>
             </a:fld>
             <a:endParaRPr lang="en-US"/>
           </a:p>
@@ -1980,7 +1980,7 @@
           <a:p>
             <a:fld id="{03C193EB-2383-2845-944A-5D674B010819}" type="datetimeFigureOut">
               <a:rPr lang="en-US" smtClean="0"/>
-              <a:t>8/24/15</a:t>
+              <a:t>9/28/15</a:t>
             </a:fld>
             <a:endParaRPr lang="en-US"/>
           </a:p>
@@ -2257,7 +2257,7 @@
           <a:p>
             <a:fld id="{03C193EB-2383-2845-944A-5D674B010819}" type="datetimeFigureOut">
               <a:rPr lang="en-US" smtClean="0"/>
-              <a:t>8/24/15</a:t>
+              <a:t>9/28/15</a:t>
             </a:fld>
             <a:endParaRPr lang="en-US"/>
           </a:p>
@@ -2510,7 +2510,7 @@
           <a:p>
             <a:fld id="{03C193EB-2383-2845-944A-5D674B010819}" type="datetimeFigureOut">
               <a:rPr lang="en-US" smtClean="0"/>
-              <a:t>8/24/15</a:t>
+              <a:t>9/28/15</a:t>
             </a:fld>
             <a:endParaRPr lang="en-US"/>
           </a:p>
@@ -2723,7 +2723,7 @@
           <a:p>
             <a:fld id="{03C193EB-2383-2845-944A-5D674B010819}" type="datetimeFigureOut">
               <a:rPr lang="en-US" smtClean="0"/>
-              <a:t>8/24/15</a:t>
+              <a:t>9/28/15</a:t>
             </a:fld>
             <a:endParaRPr lang="en-US"/>
           </a:p>
@@ -3134,7 +3134,7 @@
         <p:spPr>
           <a:xfrm>
             <a:off x="457200" y="1600200"/>
-            <a:ext cx="3455438" cy="4525963"/>
+            <a:ext cx="3455438" cy="4893857"/>
           </a:xfrm>
         </p:spPr>
         <p:txBody>
@@ -3145,8 +3145,13 @@
           <a:p>
             <a:r>
               <a:rPr lang="en-US" dirty="0" smtClean="0"/>
-              <a:t>To understand what we’re going to do, look at this picture.</a:t>
-            </a:r>
+              <a:t>To understand what we’re going to do, look at this </a:t>
+            </a:r>
+            <a:r>
+              <a:rPr lang="en-US" dirty="0" smtClean="0"/>
+              <a:t>diagram.</a:t>
+            </a:r>
+            <a:endParaRPr lang="en-US" dirty="0" smtClean="0"/>
           </a:p>
           <a:p>
             <a:r>
@@ -3169,12 +3174,12 @@
               <a:t>It includes </a:t>
             </a:r>
             <a:r>
-              <a:rPr lang="en-US" dirty="0" err="1" smtClean="0"/>
-              <a:t>Ipython</a:t>
-            </a:r>
-            <a:r>
-              <a:rPr lang="en-US" dirty="0" smtClean="0"/>
-              <a:t> notebook files, .</a:t>
+              <a:rPr lang="en-US" dirty="0" smtClean="0"/>
+              <a:t>IPython </a:t>
+            </a:r>
+            <a:r>
+              <a:rPr lang="en-US" dirty="0" smtClean="0"/>
+              <a:t>notebook files, .</a:t>
             </a:r>
             <a:r>
               <a:rPr lang="en-US" dirty="0" err="1" smtClean="0"/>
@@ -3188,8 +3193,13 @@
           <a:p>
             <a:r>
               <a:rPr lang="en-US" dirty="0" smtClean="0"/>
-              <a:t>You can’t go in and start editing files in this repository because other students need to access the same files.</a:t>
-            </a:r>
+              <a:t>You can’t go in and start editing files in this repository because </a:t>
+            </a:r>
+            <a:r>
+              <a:rPr lang="en-US" dirty="0" smtClean="0"/>
+              <a:t>you don’t have write access, you can only read or copy these files.</a:t>
+            </a:r>
+            <a:endParaRPr lang="en-US" dirty="0" smtClean="0"/>
           </a:p>
           <a:p>
             <a:endParaRPr lang="en-US" dirty="0"/>
@@ -3369,6 +3379,13 @@
   <p:clrMapOvr>
     <a:masterClrMapping/>
   </p:clrMapOvr>
+  <p:timing>
+    <p:tnLst>
+      <p:par>
+        <p:cTn xmlns:p14="http://schemas.microsoft.com/office/powerpoint/2010/main" id="1" dur="indefinite" restart="never" nodeType="tmRoot"/>
+      </p:par>
+    </p:tnLst>
+  </p:timing>
 </p:sld>
 </file>
 
@@ -3425,7 +3442,7 @@
         <p:spPr>
           <a:xfrm>
             <a:off x="457200" y="1600200"/>
-            <a:ext cx="3455438" cy="4525963"/>
+            <a:ext cx="3455438" cy="5176953"/>
           </a:xfrm>
         </p:spPr>
         <p:txBody>
@@ -3436,38 +3453,43 @@
           <a:p>
             <a:r>
               <a:rPr lang="en-US" dirty="0" smtClean="0"/>
-              <a:t>The first step is to create a copy of the repository that you can make changes to on </a:t>
-            </a:r>
-            <a:r>
-              <a:rPr lang="en-US" dirty="0" err="1" smtClean="0"/>
-              <a:t>github</a:t>
+              <a:t>The first step is to create a copy of the repository that you can make changes to </a:t>
             </a:r>
             <a:endParaRPr lang="en-US" dirty="0" smtClean="0"/>
           </a:p>
           <a:p>
             <a:r>
               <a:rPr lang="en-US" dirty="0" smtClean="0"/>
-              <a:t>This is called “forking” the repository.</a:t>
-            </a:r>
-          </a:p>
-          <a:p>
-            <a:r>
-              <a:rPr lang="en-US" dirty="0" smtClean="0"/>
-              <a:t>When you do this, there will be two identical copies of the repository both stored on the </a:t>
-            </a:r>
-            <a:r>
-              <a:rPr lang="en-US" dirty="0" err="1" smtClean="0"/>
-              <a:t>github</a:t>
-            </a:r>
-            <a:r>
-              <a:rPr lang="en-US" dirty="0" smtClean="0"/>
-              <a:t> servers.</a:t>
-            </a:r>
-          </a:p>
-          <a:p>
-            <a:r>
-              <a:rPr lang="en-US" dirty="0" smtClean="0"/>
-              <a:t>But you own the second repository, so you’re allowed to make direct changes to it.</a:t>
+              <a:t>This </a:t>
+            </a:r>
+            <a:r>
+              <a:rPr lang="en-US" dirty="0" smtClean="0"/>
+              <a:t>is called “forking” the repository.</a:t>
+            </a:r>
+          </a:p>
+          <a:p>
+            <a:r>
+              <a:rPr lang="en-US" dirty="0" smtClean="0"/>
+              <a:t>When you do this, there will be two identical copies of </a:t>
+            </a:r>
+            <a:r>
+              <a:rPr lang="en-US" smtClean="0"/>
+              <a:t>the </a:t>
+            </a:r>
+            <a:r>
+              <a:rPr lang="en-US" smtClean="0"/>
+              <a:t>repository. </a:t>
+            </a:r>
+            <a:r>
+              <a:rPr lang="en-US" dirty="0" smtClean="0"/>
+              <a:t>One that belongs to us and one that belongs to you.</a:t>
+            </a:r>
+            <a:endParaRPr lang="en-US" dirty="0" smtClean="0"/>
+          </a:p>
+          <a:p>
+            <a:r>
+              <a:rPr lang="en-US" dirty="0" smtClean="0"/>
+              <a:t>You’re obviously allowed to change your copy but not ours. This paradigm is one of the foundations of the open-source software movement. </a:t>
             </a:r>
             <a:endParaRPr lang="en-US" dirty="0"/>
           </a:p>
@@ -3794,6 +3816,13 @@
   <p:clrMapOvr>
     <a:masterClrMapping/>
   </p:clrMapOvr>
+  <p:timing>
+    <p:tnLst>
+      <p:par>
+        <p:cTn xmlns:p14="http://schemas.microsoft.com/office/powerpoint/2010/main" id="1" dur="indefinite" restart="never" nodeType="tmRoot"/>
+      </p:par>
+    </p:tnLst>
+  </p:timing>
 </p:sld>
 </file>
 
@@ -3875,8 +3904,13 @@
           <a:p>
             <a:r>
               <a:rPr lang="en-US" dirty="0" smtClean="0"/>
-              <a:t>To do this we create a third copy of the repository.</a:t>
-            </a:r>
+              <a:t>To do this we create a third copy of the </a:t>
+            </a:r>
+            <a:r>
+              <a:rPr lang="en-US" dirty="0" smtClean="0"/>
+              <a:t>repository, this time on your local machine.</a:t>
+            </a:r>
+            <a:endParaRPr lang="en-US" dirty="0" smtClean="0"/>
           </a:p>
           <a:p>
             <a:r>
@@ -3887,7 +3921,11 @@
           <a:p>
             <a:r>
               <a:rPr lang="en-US" dirty="0" smtClean="0"/>
-              <a:t>Now you’ll have a local copy of the files, that you can do pretty much anything with.</a:t>
+              <a:t>Now you’ll have a local copy of the </a:t>
+            </a:r>
+            <a:r>
+              <a:rPr lang="en-US" dirty="0" smtClean="0"/>
+              <a:t>files, that you can edit and change around as you see fit.</a:t>
             </a:r>
             <a:endParaRPr lang="en-US" dirty="0"/>
           </a:p>
